--- a/2022-03-18-DotNetRome-TheBackgroundOnBackgroundTasksInDotNet6/The Background on Background Tasks.pptx
+++ b/2022-03-18-DotNetRome-TheBackgroundOnBackgroundTasksInDotNet6/The Background on Background Tasks.pptx
@@ -237,7 +237,7 @@
           <a:p>
             <a:fld id="{8EBF47D1-607F-45EE-AE63-C10CF3AC8DD9}" type="datetimeFigureOut">
               <a:rPr lang="en-US" smtClean="0"/>
-              <a:t>4/1/2021</a:t>
+              <a:t>3/16/2022</a:t>
             </a:fld>
             <a:endParaRPr lang="en-US"/>
           </a:p>
@@ -556,6 +556,25 @@
           <a:p>
             <a:r>
               <a:rPr lang="en-US" dirty="0"/>
+              <a:t>docker </a:t>
+            </a:r>
+            <a:r>
+              <a:rPr lang="en-US" dirty="0" err="1"/>
+              <a:t>ps</a:t>
+            </a:r>
+            <a:r>
+              <a:rPr lang="en-US" dirty="0"/>
+              <a:t> and then kill any </a:t>
+            </a:r>
+            <a:r>
+              <a:rPr lang="en-US"/>
+              <a:t>running container</a:t>
+            </a:r>
+            <a:endParaRPr lang="en-US" dirty="0"/>
+          </a:p>
+          <a:p>
+            <a:r>
+              <a:rPr lang="en-US" dirty="0"/>
               <a:t>docker-compose down &amp;&amp; docker-compose up</a:t>
             </a:r>
           </a:p>
@@ -3019,6 +3038,10 @@
           <a:bodyPr/>
           <a:lstStyle/>
           <a:p>
+            <a:pPr marL="171450" indent="-171450">
+              <a:buFontTx/>
+              <a:buChar char="-"/>
+            </a:pPr>
             <a:endParaRPr lang="en-US" dirty="0"/>
           </a:p>
         </p:txBody>
@@ -3225,7 +3248,15 @@
             </a:r>
             <a:r>
               <a:rPr lang="en-US" dirty="0"/>
-              <a:t> (or Redis or MSMQ)</a:t>
+              <a:t> (or Redis or MSMQ officially, </a:t>
+            </a:r>
+            <a:r>
+              <a:rPr lang="en-US" dirty="0" err="1"/>
+              <a:t>postgres</a:t>
+            </a:r>
+            <a:r>
+              <a:rPr lang="en-US" dirty="0"/>
+              <a:t> and others unofficially)</a:t>
             </a:r>
           </a:p>
           <a:p>
@@ -3262,8 +3293,13 @@
             </a:pPr>
             <a:r>
               <a:rPr lang="en-US" dirty="0"/>
-              <a:t>Trigger from Controller</a:t>
-            </a:r>
+              <a:t>Dashboard showing history, recurring, enqueue </a:t>
+            </a:r>
+            <a:r>
+              <a:rPr lang="en-US" dirty="0" err="1"/>
+              <a:t>jos</a:t>
+            </a:r>
+            <a:endParaRPr lang="en-US" dirty="0"/>
           </a:p>
           <a:p>
             <a:pPr marL="171450" indent="-171450">
@@ -3272,7 +3308,17 @@
             </a:pPr>
             <a:r>
               <a:rPr lang="en-US" dirty="0"/>
-              <a:t>Throw exception and show retry</a:t>
+              <a:t>Trigger from Controller</a:t>
+            </a:r>
+          </a:p>
+          <a:p>
+            <a:pPr marL="171450" indent="-171450">
+              <a:buFontTx/>
+              <a:buChar char="-"/>
+            </a:pPr>
+            <a:r>
+              <a:rPr lang="en-US" dirty="0"/>
+              <a:t>Throw exception and show retry with DLQ</a:t>
             </a:r>
           </a:p>
           <a:p>
@@ -4603,7 +4649,7 @@
           <a:p>
             <a:fld id="{A4BF2526-C75C-47BE-928B-0135A92A66BE}" type="datetimeFigureOut">
               <a:rPr lang="en-US" smtClean="0"/>
-              <a:t>4/1/2021</a:t>
+              <a:t>3/16/2022</a:t>
             </a:fld>
             <a:endParaRPr lang="en-US"/>
           </a:p>
@@ -4801,7 +4847,7 @@
           <a:p>
             <a:fld id="{A4BF2526-C75C-47BE-928B-0135A92A66BE}" type="datetimeFigureOut">
               <a:rPr lang="en-US" smtClean="0"/>
-              <a:t>4/1/2021</a:t>
+              <a:t>3/16/2022</a:t>
             </a:fld>
             <a:endParaRPr lang="en-US"/>
           </a:p>
@@ -5009,7 +5055,7 @@
           <a:p>
             <a:fld id="{A4BF2526-C75C-47BE-928B-0135A92A66BE}" type="datetimeFigureOut">
               <a:rPr lang="en-US" smtClean="0"/>
-              <a:t>4/1/2021</a:t>
+              <a:t>3/16/2022</a:t>
             </a:fld>
             <a:endParaRPr lang="en-US"/>
           </a:p>
@@ -5207,7 +5253,7 @@
           <a:p>
             <a:fld id="{A4BF2526-C75C-47BE-928B-0135A92A66BE}" type="datetimeFigureOut">
               <a:rPr lang="en-US" smtClean="0"/>
-              <a:t>4/1/2021</a:t>
+              <a:t>3/16/2022</a:t>
             </a:fld>
             <a:endParaRPr lang="en-US"/>
           </a:p>
@@ -5482,7 +5528,7 @@
           <a:p>
             <a:fld id="{A4BF2526-C75C-47BE-928B-0135A92A66BE}" type="datetimeFigureOut">
               <a:rPr lang="en-US" smtClean="0"/>
-              <a:t>4/1/2021</a:t>
+              <a:t>3/16/2022</a:t>
             </a:fld>
             <a:endParaRPr lang="en-US"/>
           </a:p>
@@ -5747,7 +5793,7 @@
           <a:p>
             <a:fld id="{A4BF2526-C75C-47BE-928B-0135A92A66BE}" type="datetimeFigureOut">
               <a:rPr lang="en-US" smtClean="0"/>
-              <a:t>4/1/2021</a:t>
+              <a:t>3/16/2022</a:t>
             </a:fld>
             <a:endParaRPr lang="en-US"/>
           </a:p>
@@ -6159,7 +6205,7 @@
           <a:p>
             <a:fld id="{A4BF2526-C75C-47BE-928B-0135A92A66BE}" type="datetimeFigureOut">
               <a:rPr lang="en-US" smtClean="0"/>
-              <a:t>4/1/2021</a:t>
+              <a:t>3/16/2022</a:t>
             </a:fld>
             <a:endParaRPr lang="en-US"/>
           </a:p>
@@ -6300,7 +6346,7 @@
           <a:p>
             <a:fld id="{A4BF2526-C75C-47BE-928B-0135A92A66BE}" type="datetimeFigureOut">
               <a:rPr lang="en-US" smtClean="0"/>
-              <a:t>4/1/2021</a:t>
+              <a:t>3/16/2022</a:t>
             </a:fld>
             <a:endParaRPr lang="en-US"/>
           </a:p>
@@ -6413,7 +6459,7 @@
           <a:p>
             <a:fld id="{A4BF2526-C75C-47BE-928B-0135A92A66BE}" type="datetimeFigureOut">
               <a:rPr lang="en-US" smtClean="0"/>
-              <a:t>4/1/2021</a:t>
+              <a:t>3/16/2022</a:t>
             </a:fld>
             <a:endParaRPr lang="en-US"/>
           </a:p>
@@ -6724,7 +6770,7 @@
           <a:p>
             <a:fld id="{A4BF2526-C75C-47BE-928B-0135A92A66BE}" type="datetimeFigureOut">
               <a:rPr lang="en-US" smtClean="0"/>
-              <a:t>4/1/2021</a:t>
+              <a:t>3/16/2022</a:t>
             </a:fld>
             <a:endParaRPr lang="en-US"/>
           </a:p>
@@ -7012,7 +7058,7 @@
           <a:p>
             <a:fld id="{A4BF2526-C75C-47BE-928B-0135A92A66BE}" type="datetimeFigureOut">
               <a:rPr lang="en-US" smtClean="0"/>
-              <a:t>4/1/2021</a:t>
+              <a:t>3/16/2022</a:t>
             </a:fld>
             <a:endParaRPr lang="en-US"/>
           </a:p>
@@ -7253,7 +7299,7 @@
           <a:p>
             <a:fld id="{A4BF2526-C75C-47BE-928B-0135A92A66BE}" type="datetimeFigureOut">
               <a:rPr lang="en-US" smtClean="0"/>
-              <a:t>4/1/2021</a:t>
+              <a:t>3/16/2022</a:t>
             </a:fld>
             <a:endParaRPr lang="en-US"/>
           </a:p>
@@ -7736,7 +7782,7 @@
                 <a:ea typeface="Open Sans" panose="020B0606030504020204" pitchFamily="34" charset="0"/>
                 <a:cs typeface="Open Sans" panose="020B0606030504020204" pitchFamily="34" charset="0"/>
               </a:rPr>
-              <a:t>Background Tasks in .NET Core</a:t>
+              <a:t>Background Tasks in .NET 6</a:t>
             </a:r>
           </a:p>
         </p:txBody>
@@ -7759,69 +7805,15 @@
         </p:nvSpPr>
         <p:spPr>
           <a:xfrm>
-            <a:off x="48985" y="3632271"/>
-            <a:ext cx="12192000" cy="3371040"/>
+            <a:off x="0" y="6295281"/>
+            <a:ext cx="12192000" cy="525294"/>
           </a:xfrm>
         </p:spPr>
         <p:txBody>
           <a:bodyPr>
-            <a:normAutofit lnSpcReduction="10000"/>
+            <a:normAutofit/>
           </a:bodyPr>
           <a:lstStyle/>
-          <a:p>
-            <a:endParaRPr lang="en-US" sz="3600" dirty="0">
-              <a:solidFill>
-                <a:schemeClr val="bg1"/>
-              </a:solidFill>
-              <a:ea typeface="Open Sans" panose="020B0606030504020204" pitchFamily="34" charset="0"/>
-              <a:cs typeface="Open Sans" panose="020B0606030504020204" pitchFamily="34" charset="0"/>
-            </a:endParaRPr>
-          </a:p>
-          <a:p>
-            <a:endParaRPr lang="en-US" sz="4000" dirty="0">
-              <a:solidFill>
-                <a:schemeClr val="bg1"/>
-              </a:solidFill>
-              <a:ea typeface="Open Sans" panose="020B0606030504020204" pitchFamily="34" charset="0"/>
-              <a:cs typeface="Open Sans" panose="020B0606030504020204" pitchFamily="34" charset="0"/>
-            </a:endParaRPr>
-          </a:p>
-          <a:p>
-            <a:endParaRPr lang="en-US" dirty="0">
-              <a:solidFill>
-                <a:schemeClr val="bg1"/>
-              </a:solidFill>
-              <a:ea typeface="Open Sans" panose="020B0606030504020204" pitchFamily="34" charset="0"/>
-              <a:cs typeface="Open Sans" panose="020B0606030504020204" pitchFamily="34" charset="0"/>
-            </a:endParaRPr>
-          </a:p>
-          <a:p>
-            <a:endParaRPr lang="en-US" dirty="0">
-              <a:solidFill>
-                <a:schemeClr val="bg1"/>
-              </a:solidFill>
-              <a:ea typeface="Open Sans" panose="020B0606030504020204" pitchFamily="34" charset="0"/>
-              <a:cs typeface="Open Sans" panose="020B0606030504020204" pitchFamily="34" charset="0"/>
-            </a:endParaRPr>
-          </a:p>
-          <a:p>
-            <a:br>
-              <a:rPr lang="en-US" dirty="0">
-                <a:solidFill>
-                  <a:schemeClr val="bg1"/>
-                </a:solidFill>
-                <a:ea typeface="Open Sans" panose="020B0606030504020204" pitchFamily="34" charset="0"/>
-                <a:cs typeface="Open Sans" panose="020B0606030504020204" pitchFamily="34" charset="0"/>
-              </a:rPr>
-            </a:br>
-            <a:endParaRPr lang="en-US" dirty="0">
-              <a:solidFill>
-                <a:schemeClr val="bg1"/>
-              </a:solidFill>
-              <a:ea typeface="Open Sans" panose="020B0606030504020204" pitchFamily="34" charset="0"/>
-              <a:cs typeface="Open Sans" panose="020B0606030504020204" pitchFamily="34" charset="0"/>
-            </a:endParaRPr>
-          </a:p>
           <a:p>
             <a:pPr algn="l"/>
             <a:r>
@@ -14066,7 +14058,7 @@
                 <a:ea typeface="Open Sans" panose="020B0606030504020204" pitchFamily="34" charset="0"/>
                 <a:cs typeface="Open Sans" panose="020B0606030504020204" pitchFamily="34" charset="0"/>
               </a:rPr>
-              <a:t>.NET Core Developers</a:t>
+              <a:t>.NET Developers</a:t>
             </a:r>
           </a:p>
           <a:p>
@@ -28875,7 +28867,7 @@
           <a:p>
             <a:r>
               <a:rPr lang="en-US" dirty="0"/>
-              <a:t>Software Consultant at Lean </a:t>
+              <a:t>Director of Engineering at Lean </a:t>
             </a:r>
             <a:r>
               <a:rPr lang="en-US" dirty="0" err="1"/>

--- a/2022-03-18-DotNetRome-TheBackgroundOnBackgroundTasksInDotNet6/The Background on Background Tasks.pptx
+++ b/2022-03-18-DotNetRome-TheBackgroundOnBackgroundTasksInDotNet6/The Background on Background Tasks.pptx
@@ -564,18 +564,19 @@
             </a:r>
             <a:r>
               <a:rPr lang="en-US" dirty="0"/>
-              <a:t> and then kill any </a:t>
-            </a:r>
-            <a:r>
-              <a:rPr lang="en-US"/>
-              <a:t>running container</a:t>
-            </a:r>
-            <a:endParaRPr lang="en-US" dirty="0"/>
+              <a:t> and then kill any running container</a:t>
+            </a:r>
           </a:p>
           <a:p>
             <a:r>
               <a:rPr lang="en-US" dirty="0"/>
               <a:t>docker-compose down &amp;&amp; docker-compose up</a:t>
+            </a:r>
+          </a:p>
+          <a:p>
+            <a:r>
+              <a:rPr lang="en-US" dirty="0"/>
+              <a:t>Dotnet watch run</a:t>
             </a:r>
           </a:p>
           <a:p>
@@ -29858,6 +29859,13 @@
           </a:p>
           <a:p>
             <a:r>
+              <a:rPr lang="en-US"/>
+              <a:t>Eventual consistency</a:t>
+            </a:r>
+            <a:endParaRPr lang="en-US" dirty="0"/>
+          </a:p>
+          <a:p>
+            <a:r>
               <a:rPr lang="en-US" dirty="0"/>
               <a:t>Re-train ML datasets</a:t>
             </a:r>
@@ -30731,6 +30739,87 @@
                       </p:childTnLst>
                     </p:cTn>
                   </p:par>
+                  <p:par>
+                    <p:cTn id="33" fill="hold">
+                      <p:stCondLst>
+                        <p:cond delay="indefinite"/>
+                      </p:stCondLst>
+                      <p:childTnLst>
+                        <p:par>
+                          <p:cTn id="34" fill="hold">
+                            <p:stCondLst>
+                              <p:cond delay="0"/>
+                            </p:stCondLst>
+                            <p:childTnLst>
+                              <p:par>
+                                <p:cTn id="35" presetID="10" presetClass="entr" presetSubtype="0" fill="hold" grpId="0" nodeType="clickEffect">
+                                  <p:stCondLst>
+                                    <p:cond delay="0"/>
+                                  </p:stCondLst>
+                                  <p:childTnLst>
+                                    <p:set>
+                                      <p:cBhvr>
+                                        <p:cTn id="36" dur="1" fill="hold">
+                                          <p:stCondLst>
+                                            <p:cond delay="0"/>
+                                          </p:stCondLst>
+                                        </p:cTn>
+                                        <p:tgtEl>
+                                          <p:spTgt spid="3">
+                                            <p:txEl>
+                                              <p:pRg st="8" end="8"/>
+                                            </p:txEl>
+                                          </p:spTgt>
+                                        </p:tgtEl>
+                                        <p:attrNameLst>
+                                          <p:attrName>style.visibility</p:attrName>
+                                        </p:attrNameLst>
+                                      </p:cBhvr>
+                                      <p:to>
+                                        <p:strVal val="visible"/>
+                                      </p:to>
+                                    </p:set>
+                                    <p:animEffect transition="in" filter="fade">
+                                      <p:cBhvr>
+                                        <p:cTn id="37" dur="500"/>
+                                        <p:tgtEl>
+                                          <p:spTgt spid="3">
+                                            <p:txEl>
+                                              <p:pRg st="8" end="8"/>
+                                            </p:txEl>
+                                          </p:spTgt>
+                                        </p:tgtEl>
+                                      </p:cBhvr>
+                                    </p:animEffect>
+                                  </p:childTnLst>
+                                  <p:subTnLst>
+                                    <p:animClr clrSpc="rgb" dir="cw">
+                                      <p:cBhvr override="childStyle">
+                                        <p:cTn dur="1" fill="hold" display="0" masterRel="nextClick" afterEffect="1"/>
+                                        <p:tgtEl>
+                                          <p:spTgt spid="3">
+                                            <p:txEl>
+                                              <p:pRg st="8" end="8"/>
+                                            </p:txEl>
+                                          </p:spTgt>
+                                        </p:tgtEl>
+                                        <p:attrNameLst>
+                                          <p:attrName>ppt_c</p:attrName>
+                                        </p:attrNameLst>
+                                      </p:cBhvr>
+                                      <p:to>
+                                        <a:srgbClr val="B2B2B2"/>
+                                      </p:to>
+                                    </p:animClr>
+                                  </p:subTnLst>
+                                </p:cTn>
+                              </p:par>
+                            </p:childTnLst>
+                          </p:cTn>
+                        </p:par>
+                      </p:childTnLst>
+                    </p:cTn>
+                  </p:par>
                 </p:childTnLst>
               </p:cTn>
               <p:prevCondLst>

--- a/2022-03-18-DotNetRome-TheBackgroundOnBackgroundTasksInDotNet6/The Background on Background Tasks.pptx
+++ b/2022-03-18-DotNetRome-TheBackgroundOnBackgroundTasksInDotNet6/The Background on Background Tasks.pptx
@@ -237,7 +237,7 @@
           <a:p>
             <a:fld id="{8EBF47D1-607F-45EE-AE63-C10CF3AC8DD9}" type="datetimeFigureOut">
               <a:rPr lang="en-US" smtClean="0"/>
-              <a:t>3/16/2022</a:t>
+              <a:t>3/17/2022</a:t>
             </a:fld>
             <a:endParaRPr lang="en-US"/>
           </a:p>
@@ -4650,7 +4650,7 @@
           <a:p>
             <a:fld id="{A4BF2526-C75C-47BE-928B-0135A92A66BE}" type="datetimeFigureOut">
               <a:rPr lang="en-US" smtClean="0"/>
-              <a:t>3/16/2022</a:t>
+              <a:t>3/17/2022</a:t>
             </a:fld>
             <a:endParaRPr lang="en-US"/>
           </a:p>
@@ -4848,7 +4848,7 @@
           <a:p>
             <a:fld id="{A4BF2526-C75C-47BE-928B-0135A92A66BE}" type="datetimeFigureOut">
               <a:rPr lang="en-US" smtClean="0"/>
-              <a:t>3/16/2022</a:t>
+              <a:t>3/17/2022</a:t>
             </a:fld>
             <a:endParaRPr lang="en-US"/>
           </a:p>
@@ -5056,7 +5056,7 @@
           <a:p>
             <a:fld id="{A4BF2526-C75C-47BE-928B-0135A92A66BE}" type="datetimeFigureOut">
               <a:rPr lang="en-US" smtClean="0"/>
-              <a:t>3/16/2022</a:t>
+              <a:t>3/17/2022</a:t>
             </a:fld>
             <a:endParaRPr lang="en-US"/>
           </a:p>
@@ -5254,7 +5254,7 @@
           <a:p>
             <a:fld id="{A4BF2526-C75C-47BE-928B-0135A92A66BE}" type="datetimeFigureOut">
               <a:rPr lang="en-US" smtClean="0"/>
-              <a:t>3/16/2022</a:t>
+              <a:t>3/17/2022</a:t>
             </a:fld>
             <a:endParaRPr lang="en-US"/>
           </a:p>
@@ -5529,7 +5529,7 @@
           <a:p>
             <a:fld id="{A4BF2526-C75C-47BE-928B-0135A92A66BE}" type="datetimeFigureOut">
               <a:rPr lang="en-US" smtClean="0"/>
-              <a:t>3/16/2022</a:t>
+              <a:t>3/17/2022</a:t>
             </a:fld>
             <a:endParaRPr lang="en-US"/>
           </a:p>
@@ -5794,7 +5794,7 @@
           <a:p>
             <a:fld id="{A4BF2526-C75C-47BE-928B-0135A92A66BE}" type="datetimeFigureOut">
               <a:rPr lang="en-US" smtClean="0"/>
-              <a:t>3/16/2022</a:t>
+              <a:t>3/17/2022</a:t>
             </a:fld>
             <a:endParaRPr lang="en-US"/>
           </a:p>
@@ -6206,7 +6206,7 @@
           <a:p>
             <a:fld id="{A4BF2526-C75C-47BE-928B-0135A92A66BE}" type="datetimeFigureOut">
               <a:rPr lang="en-US" smtClean="0"/>
-              <a:t>3/16/2022</a:t>
+              <a:t>3/17/2022</a:t>
             </a:fld>
             <a:endParaRPr lang="en-US"/>
           </a:p>
@@ -6347,7 +6347,7 @@
           <a:p>
             <a:fld id="{A4BF2526-C75C-47BE-928B-0135A92A66BE}" type="datetimeFigureOut">
               <a:rPr lang="en-US" smtClean="0"/>
-              <a:t>3/16/2022</a:t>
+              <a:t>3/17/2022</a:t>
             </a:fld>
             <a:endParaRPr lang="en-US"/>
           </a:p>
@@ -6460,7 +6460,7 @@
           <a:p>
             <a:fld id="{A4BF2526-C75C-47BE-928B-0135A92A66BE}" type="datetimeFigureOut">
               <a:rPr lang="en-US" smtClean="0"/>
-              <a:t>3/16/2022</a:t>
+              <a:t>3/17/2022</a:t>
             </a:fld>
             <a:endParaRPr lang="en-US"/>
           </a:p>
@@ -6771,7 +6771,7 @@
           <a:p>
             <a:fld id="{A4BF2526-C75C-47BE-928B-0135A92A66BE}" type="datetimeFigureOut">
               <a:rPr lang="en-US" smtClean="0"/>
-              <a:t>3/16/2022</a:t>
+              <a:t>3/17/2022</a:t>
             </a:fld>
             <a:endParaRPr lang="en-US"/>
           </a:p>
@@ -7059,7 +7059,7 @@
           <a:p>
             <a:fld id="{A4BF2526-C75C-47BE-928B-0135A92A66BE}" type="datetimeFigureOut">
               <a:rPr lang="en-US" smtClean="0"/>
-              <a:t>3/16/2022</a:t>
+              <a:t>3/17/2022</a:t>
             </a:fld>
             <a:endParaRPr lang="en-US"/>
           </a:p>
@@ -7300,7 +7300,7 @@
           <a:p>
             <a:fld id="{A4BF2526-C75C-47BE-928B-0135A92A66BE}" type="datetimeFigureOut">
               <a:rPr lang="en-US" smtClean="0"/>
-              <a:t>3/16/2022</a:t>
+              <a:t>3/17/2022</a:t>
             </a:fld>
             <a:endParaRPr lang="en-US"/>
           </a:p>
@@ -17750,20 +17750,23 @@
           <a:p>
             <a:r>
               <a:rPr lang="en-US" dirty="0"/>
-              <a:t>Enhanced .NET Core Console App template</a:t>
+              <a:t>Enhanced .</a:t>
+            </a:r>
+            <a:r>
+              <a:rPr lang="en-US"/>
+              <a:t>NET Console </a:t>
+            </a:r>
+            <a:r>
+              <a:rPr lang="en-US" dirty="0"/>
+              <a:t>App template</a:t>
             </a:r>
           </a:p>
           <a:p>
             <a:pPr lvl="1"/>
             <a:r>
               <a:rPr lang="en-US" dirty="0"/>
-              <a:t>dotnet new worker –</a:t>
-            </a:r>
-            <a:r>
-              <a:rPr lang="en-US"/>
-              <a:t>o my-custom-worker</a:t>
-            </a:r>
-            <a:endParaRPr lang="en-US" dirty="0"/>
+              <a:t>dotnet new worker –o my-custom-worker</a:t>
+            </a:r>
           </a:p>
           <a:p>
             <a:r>

--- a/2022-03-18-DotNetRome-TheBackgroundOnBackgroundTasksInDotNet6/The Background on Background Tasks.pptx
+++ b/2022-03-18-DotNetRome-TheBackgroundOnBackgroundTasksInDotNet6/The Background on Background Tasks.pptx
@@ -17750,15 +17750,7 @@
           <a:p>
             <a:r>
               <a:rPr lang="en-US" dirty="0"/>
-              <a:t>Enhanced .</a:t>
-            </a:r>
-            <a:r>
-              <a:rPr lang="en-US"/>
-              <a:t>NET Console </a:t>
-            </a:r>
-            <a:r>
-              <a:rPr lang="en-US" dirty="0"/>
-              <a:t>App template</a:t>
+              <a:t>Enhanced .NET Console App template</a:t>
             </a:r>
           </a:p>
           <a:p>
@@ -19460,10 +19452,10 @@
       </p:grpSp>
       <p:pic>
         <p:nvPicPr>
-          <p:cNvPr id="12" name="Picture 11">
+          <p:cNvPr id="5" name="Picture 4">
             <a:extLst>
               <a:ext uri="{FF2B5EF4-FFF2-40B4-BE49-F238E27FC236}">
-                <a16:creationId xmlns:a16="http://schemas.microsoft.com/office/drawing/2014/main" id="{2698C95C-CF38-48AF-B7F4-85655B5DA914}"/>
+                <a16:creationId xmlns:a16="http://schemas.microsoft.com/office/drawing/2014/main" id="{18ECF667-1C7B-4D38-A718-6CF283E93F77}"/>
               </a:ext>
             </a:extLst>
           </p:cNvPr>
@@ -19480,8 +19472,8 @@
         </p:blipFill>
         <p:spPr>
           <a:xfrm>
-            <a:off x="1627171" y="3328267"/>
-            <a:ext cx="7466667" cy="2857143"/>
+            <a:off x="1712067" y="2866469"/>
+            <a:ext cx="7961868" cy="3693261"/>
           </a:xfrm>
           <a:prstGeom prst="rect">
             <a:avLst/>

--- a/2022-03-18-DotNetRome-TheBackgroundOnBackgroundTasksInDotNet6/The Background on Background Tasks.pptx
+++ b/2022-03-18-DotNetRome-TheBackgroundOnBackgroundTasksInDotNet6/The Background on Background Tasks.pptx
@@ -155,6 +155,43 @@
 </p:presentation>
 </file>
 
+<file path=ppt/revisionInfo.xml><?xml version="1.0" encoding="utf-8"?>
+<p1510:revInfo xmlns:a="http://schemas.openxmlformats.org/drawingml/2006/main" xmlns:r="http://schemas.openxmlformats.org/officeDocument/2006/relationships" xmlns:p1510="http://schemas.microsoft.com/office/powerpoint/2015/10/main">
+  <p1510:revLst>
+    <p1510:client id="{80CFDC66-E67C-4453-A8C6-0D7D804AABC4}" v="8" dt="2022-04-28T06:26:57.398"/>
+  </p1510:revLst>
+</p1510:revInfo>
+</file>
+
+<file path=ppt/changesInfos/changesInfo1.xml><?xml version="1.0" encoding="utf-8"?>
+<pc:chgInfo xmlns:a="http://schemas.openxmlformats.org/drawingml/2006/main" xmlns:r="http://schemas.openxmlformats.org/officeDocument/2006/relationships" xmlns:ac="http://schemas.microsoft.com/office/drawing/2013/main/command" xmlns:pc="http://schemas.microsoft.com/office/powerpoint/2013/main/command">
+  <pc:docChgLst>
+    <pc:chgData name="Mohamed Farook" userId="a3181221-f163-42e6-b565-1ccf91dfa29a" providerId="ADAL" clId="{80CFDC66-E67C-4453-A8C6-0D7D804AABC4}"/>
+    <pc:docChg chg="modSld">
+      <pc:chgData name="Mohamed Farook" userId="a3181221-f163-42e6-b565-1ccf91dfa29a" providerId="ADAL" clId="{80CFDC66-E67C-4453-A8C6-0D7D804AABC4}" dt="2022-04-28T06:26:57.398" v="7" actId="20577"/>
+      <pc:docMkLst>
+        <pc:docMk/>
+      </pc:docMkLst>
+      <pc:sldChg chg="modSp">
+        <pc:chgData name="Mohamed Farook" userId="a3181221-f163-42e6-b565-1ccf91dfa29a" providerId="ADAL" clId="{80CFDC66-E67C-4453-A8C6-0D7D804AABC4}" dt="2022-04-28T06:26:57.398" v="7" actId="20577"/>
+        <pc:sldMkLst>
+          <pc:docMk/>
+          <pc:sldMk cId="851467608" sldId="340"/>
+        </pc:sldMkLst>
+        <pc:spChg chg="mod">
+          <ac:chgData name="Mohamed Farook" userId="a3181221-f163-42e6-b565-1ccf91dfa29a" providerId="ADAL" clId="{80CFDC66-E67C-4453-A8C6-0D7D804AABC4}" dt="2022-04-28T06:26:57.398" v="7" actId="20577"/>
+          <ac:spMkLst>
+            <pc:docMk/>
+            <pc:sldMk cId="851467608" sldId="340"/>
+            <ac:spMk id="3" creationId="{00000000-0000-0000-0000-000000000000}"/>
+          </ac:spMkLst>
+        </pc:spChg>
+      </pc:sldChg>
+    </pc:docChg>
+  </pc:docChgLst>
+</pc:chgInfo>
+</file>
+
 <file path=ppt/notesMasters/notesMaster1.xml><?xml version="1.0" encoding="utf-8"?>
 <p:notesMaster xmlns:a="http://schemas.openxmlformats.org/drawingml/2006/main" xmlns:r="http://schemas.openxmlformats.org/officeDocument/2006/relationships" xmlns:p="http://schemas.openxmlformats.org/presentationml/2006/main">
   <p:cSld>
@@ -237,7 +274,7 @@
           <a:p>
             <a:fld id="{8EBF47D1-607F-45EE-AE63-C10CF3AC8DD9}" type="datetimeFigureOut">
               <a:rPr lang="en-US" smtClean="0"/>
-              <a:t>3/17/2022</a:t>
+              <a:t>4/28/2022</a:t>
             </a:fld>
             <a:endParaRPr lang="en-US"/>
           </a:p>
@@ -4650,7 +4687,7 @@
           <a:p>
             <a:fld id="{A4BF2526-C75C-47BE-928B-0135A92A66BE}" type="datetimeFigureOut">
               <a:rPr lang="en-US" smtClean="0"/>
-              <a:t>3/17/2022</a:t>
+              <a:t>4/28/2022</a:t>
             </a:fld>
             <a:endParaRPr lang="en-US"/>
           </a:p>
@@ -4848,7 +4885,7 @@
           <a:p>
             <a:fld id="{A4BF2526-C75C-47BE-928B-0135A92A66BE}" type="datetimeFigureOut">
               <a:rPr lang="en-US" smtClean="0"/>
-              <a:t>3/17/2022</a:t>
+              <a:t>4/28/2022</a:t>
             </a:fld>
             <a:endParaRPr lang="en-US"/>
           </a:p>
@@ -5056,7 +5093,7 @@
           <a:p>
             <a:fld id="{A4BF2526-C75C-47BE-928B-0135A92A66BE}" type="datetimeFigureOut">
               <a:rPr lang="en-US" smtClean="0"/>
-              <a:t>3/17/2022</a:t>
+              <a:t>4/28/2022</a:t>
             </a:fld>
             <a:endParaRPr lang="en-US"/>
           </a:p>
@@ -5254,7 +5291,7 @@
           <a:p>
             <a:fld id="{A4BF2526-C75C-47BE-928B-0135A92A66BE}" type="datetimeFigureOut">
               <a:rPr lang="en-US" smtClean="0"/>
-              <a:t>3/17/2022</a:t>
+              <a:t>4/28/2022</a:t>
             </a:fld>
             <a:endParaRPr lang="en-US"/>
           </a:p>
@@ -5529,7 +5566,7 @@
           <a:p>
             <a:fld id="{A4BF2526-C75C-47BE-928B-0135A92A66BE}" type="datetimeFigureOut">
               <a:rPr lang="en-US" smtClean="0"/>
-              <a:t>3/17/2022</a:t>
+              <a:t>4/28/2022</a:t>
             </a:fld>
             <a:endParaRPr lang="en-US"/>
           </a:p>
@@ -5794,7 +5831,7 @@
           <a:p>
             <a:fld id="{A4BF2526-C75C-47BE-928B-0135A92A66BE}" type="datetimeFigureOut">
               <a:rPr lang="en-US" smtClean="0"/>
-              <a:t>3/17/2022</a:t>
+              <a:t>4/28/2022</a:t>
             </a:fld>
             <a:endParaRPr lang="en-US"/>
           </a:p>
@@ -6206,7 +6243,7 @@
           <a:p>
             <a:fld id="{A4BF2526-C75C-47BE-928B-0135A92A66BE}" type="datetimeFigureOut">
               <a:rPr lang="en-US" smtClean="0"/>
-              <a:t>3/17/2022</a:t>
+              <a:t>4/28/2022</a:t>
             </a:fld>
             <a:endParaRPr lang="en-US"/>
           </a:p>
@@ -6347,7 +6384,7 @@
           <a:p>
             <a:fld id="{A4BF2526-C75C-47BE-928B-0135A92A66BE}" type="datetimeFigureOut">
               <a:rPr lang="en-US" smtClean="0"/>
-              <a:t>3/17/2022</a:t>
+              <a:t>4/28/2022</a:t>
             </a:fld>
             <a:endParaRPr lang="en-US"/>
           </a:p>
@@ -6460,7 +6497,7 @@
           <a:p>
             <a:fld id="{A4BF2526-C75C-47BE-928B-0135A92A66BE}" type="datetimeFigureOut">
               <a:rPr lang="en-US" smtClean="0"/>
-              <a:t>3/17/2022</a:t>
+              <a:t>4/28/2022</a:t>
             </a:fld>
             <a:endParaRPr lang="en-US"/>
           </a:p>
@@ -6771,7 +6808,7 @@
           <a:p>
             <a:fld id="{A4BF2526-C75C-47BE-928B-0135A92A66BE}" type="datetimeFigureOut">
               <a:rPr lang="en-US" smtClean="0"/>
-              <a:t>3/17/2022</a:t>
+              <a:t>4/28/2022</a:t>
             </a:fld>
             <a:endParaRPr lang="en-US"/>
           </a:p>
@@ -7059,7 +7096,7 @@
           <a:p>
             <a:fld id="{A4BF2526-C75C-47BE-928B-0135A92A66BE}" type="datetimeFigureOut">
               <a:rPr lang="en-US" smtClean="0"/>
-              <a:t>3/17/2022</a:t>
+              <a:t>4/28/2022</a:t>
             </a:fld>
             <a:endParaRPr lang="en-US"/>
           </a:p>
@@ -7300,7 +7337,7 @@
           <a:p>
             <a:fld id="{A4BF2526-C75C-47BE-928B-0135A92A66BE}" type="datetimeFigureOut">
               <a:rPr lang="en-US" smtClean="0"/>
-              <a:t>3/17/2022</a:t>
+              <a:t>4/28/2022</a:t>
             </a:fld>
             <a:endParaRPr lang="en-US"/>
           </a:p>
@@ -11481,7 +11518,7 @@
           <a:p>
             <a:r>
               <a:rPr lang="en-US" dirty="0"/>
-              <a:t>You need full control over Starting and Stopping</a:t>
+              <a:t>You need complete control over Starting and Stopping</a:t>
             </a:r>
           </a:p>
           <a:p>
